--- a/report/PowerPointPresentationv2.pptx
+++ b/report/PowerPointPresentationv2.pptx
@@ -5,13 +5,14 @@
     <p:sldMasterId id="2147483648" r:id="rId1"/>
   </p:sldMasterIdLst>
   <p:notesMasterIdLst>
-    <p:notesMasterId r:id="rId6"/>
+    <p:notesMasterId r:id="rId7"/>
   </p:notesMasterIdLst>
   <p:sldIdLst>
     <p:sldId id="256" r:id="rId2"/>
     <p:sldId id="257" r:id="rId3"/>
     <p:sldId id="258" r:id="rId4"/>
     <p:sldId id="259" r:id="rId5"/>
+    <p:sldId id="260" r:id="rId6"/>
   </p:sldIdLst>
   <p:sldSz cx="12192000" cy="6858000"/>
   <p:notesSz cx="6858000" cy="9144000"/>
@@ -514,14 +515,17 @@
           <a:p>
             <a:r>
               <a:rPr lang="en-CA" dirty="0"/>
-              <a:t>We chose to do our term project on frisbees because even though the yare simple to use ad that anyone can use them, the physics behind the flight of a frisbee is not as simple. </a:t>
+              <a:t>We chose to do our term project on frisbees because even though they are simple to use and that anyone can use them, the physics behind the flight of a frisbee is not as simple. </a:t>
             </a:r>
           </a:p>
           <a:p>
             <a:r>
               <a:rPr lang="en-CA" dirty="0"/>
-              <a:t>With the rise of sports like ultimate frisbee and disk golf where the accuracy of shots as well as the distance at which it lands are important, we were wondering at which angle a frisbee should be thrown in order to reach a maximum distance. </a:t>
-            </a:r>
+              <a:t>With the rise of sports like ultimate frisbee and disk golf where the accuracy of shots as well as the distance at which it lands are important, we were wondering at which angle a frisbee should be thrown in order to reach a maximum distance. It is also easy to verify because a lot of researches are available to us and also many people have actually tried this experiment.</a:t>
+            </a:r>
+          </a:p>
+          <a:p>
+            <a:endParaRPr lang="en-CA" dirty="0"/>
           </a:p>
         </p:txBody>
       </p:sp>
@@ -613,7 +617,13 @@
           <a:p>
             <a:r>
               <a:rPr lang="en-CA" dirty="0"/>
-              <a:t>The golden search allowed us to find the optimal angle of throw by taking in the distance reached as the angles it provided.</a:t>
+              <a:t>The golden search allowed us to find the optimal angle of throw by taking in the distance reached as the angles it provided. Since we used it to find a minimum, we had to use the inverse function of the throw</a:t>
+            </a:r>
+          </a:p>
+          <a:p>
+            <a:r>
+              <a:rPr lang="en-CA" dirty="0"/>
+              <a:t> to find the maximum angle. </a:t>
             </a:r>
           </a:p>
           <a:p>
@@ -782,6 +792,93 @@
     <p:extLst>
       <p:ext uri="{BB962C8B-B14F-4D97-AF65-F5344CB8AC3E}">
         <p14:creationId xmlns:p14="http://schemas.microsoft.com/office/powerpoint/2010/main" val="3180759589"/>
+      </p:ext>
+    </p:extLst>
+  </p:cSld>
+  <p:clrMapOvr>
+    <a:masterClrMapping/>
+  </p:clrMapOvr>
+</p:notes>
+</file>
+
+<file path=ppt/notesSlides/notesSlide4.xml><?xml version="1.0" encoding="utf-8"?>
+<p:notes xmlns:a="http://schemas.openxmlformats.org/drawingml/2006/main" xmlns:r="http://schemas.openxmlformats.org/officeDocument/2006/relationships" xmlns:p="http://schemas.openxmlformats.org/presentationml/2006/main">
+  <p:cSld>
+    <p:spTree>
+      <p:nvGrpSpPr>
+        <p:cNvPr id="1" name=""/>
+        <p:cNvGrpSpPr/>
+        <p:nvPr/>
+      </p:nvGrpSpPr>
+      <p:grpSpPr>
+        <a:xfrm>
+          <a:off x="0" y="0"/>
+          <a:ext cx="0" cy="0"/>
+          <a:chOff x="0" y="0"/>
+          <a:chExt cx="0" cy="0"/>
+        </a:xfrm>
+      </p:grpSpPr>
+      <p:sp>
+        <p:nvSpPr>
+          <p:cNvPr id="2" name="Slide Image Placeholder 1"/>
+          <p:cNvSpPr>
+            <a:spLocks noGrp="1" noRot="1" noChangeAspect="1"/>
+          </p:cNvSpPr>
+          <p:nvPr>
+            <p:ph type="sldImg"/>
+          </p:nvPr>
+        </p:nvSpPr>
+        <p:spPr/>
+      </p:sp>
+      <p:sp>
+        <p:nvSpPr>
+          <p:cNvPr id="3" name="Notes Placeholder 2"/>
+          <p:cNvSpPr>
+            <a:spLocks noGrp="1"/>
+          </p:cNvSpPr>
+          <p:nvPr>
+            <p:ph type="body" idx="1"/>
+          </p:nvPr>
+        </p:nvSpPr>
+        <p:spPr/>
+        <p:txBody>
+          <a:bodyPr/>
+          <a:lstStyle/>
+          <a:p>
+            <a:r>
+              <a:rPr lang="en-CA" noProof="0" dirty="0"/>
+              <a:t>We took the x and y values for the optimal angle and plot a graph to illustrate the Frisbee’s trajectory. </a:t>
+            </a:r>
+          </a:p>
+        </p:txBody>
+      </p:sp>
+      <p:sp>
+        <p:nvSpPr>
+          <p:cNvPr id="4" name="Slide Number Placeholder 3"/>
+          <p:cNvSpPr>
+            <a:spLocks noGrp="1"/>
+          </p:cNvSpPr>
+          <p:nvPr>
+            <p:ph type="sldNum" sz="quarter" idx="5"/>
+          </p:nvPr>
+        </p:nvSpPr>
+        <p:spPr/>
+        <p:txBody>
+          <a:bodyPr/>
+          <a:lstStyle/>
+          <a:p>
+            <a:fld id="{19869EA4-DC60-4902-8F00-4A95F3B44FF2}" type="slidenum">
+              <a:rPr lang="en-CA" smtClean="0"/>
+              <a:t>5</a:t>
+            </a:fld>
+            <a:endParaRPr lang="en-CA"/>
+          </a:p>
+        </p:txBody>
+      </p:sp>
+    </p:spTree>
+    <p:extLst>
+      <p:ext uri="{BB962C8B-B14F-4D97-AF65-F5344CB8AC3E}">
+        <p14:creationId xmlns:p14="http://schemas.microsoft.com/office/powerpoint/2010/main" val="1222343532"/>
       </p:ext>
     </p:extLst>
   </p:cSld>
@@ -1021,7 +1118,7 @@
             <a:fld id="{B61BEF0D-F0BB-DE4B-95CE-6DB70DBA9567}" type="datetimeFigureOut">
               <a:rPr lang="en-US" dirty="0"/>
               <a:pPr/>
-              <a:t>5/16/2019</a:t>
+              <a:t>5/16/19</a:t>
             </a:fld>
             <a:endParaRPr lang="en-US" dirty="0"/>
           </a:p>
@@ -1352,7 +1449,7 @@
             <a:fld id="{B61BEF0D-F0BB-DE4B-95CE-6DB70DBA9567}" type="datetimeFigureOut">
               <a:rPr lang="en-US" dirty="0"/>
               <a:pPr/>
-              <a:t>5/16/2019</a:t>
+              <a:t>5/16/19</a:t>
             </a:fld>
             <a:endParaRPr lang="en-US" dirty="0"/>
           </a:p>
@@ -1627,7 +1724,7 @@
             <a:fld id="{B61BEF0D-F0BB-DE4B-95CE-6DB70DBA9567}" type="datetimeFigureOut">
               <a:rPr lang="en-US" dirty="0"/>
               <a:pPr/>
-              <a:t>5/16/2019</a:t>
+              <a:t>5/16/19</a:t>
             </a:fld>
             <a:endParaRPr lang="en-US" dirty="0"/>
           </a:p>
@@ -2192,7 +2289,7 @@
             <a:fld id="{B61BEF0D-F0BB-DE4B-95CE-6DB70DBA9567}" type="datetimeFigureOut">
               <a:rPr lang="en-US" dirty="0"/>
               <a:pPr/>
-              <a:t>5/16/2019</a:t>
+              <a:t>5/16/19</a:t>
             </a:fld>
             <a:endParaRPr lang="en-US" dirty="0"/>
           </a:p>
@@ -2467,7 +2564,7 @@
             <a:fld id="{B61BEF0D-F0BB-DE4B-95CE-6DB70DBA9567}" type="datetimeFigureOut">
               <a:rPr lang="en-US" dirty="0"/>
               <a:pPr/>
-              <a:t>5/16/2019</a:t>
+              <a:t>5/16/19</a:t>
             </a:fld>
             <a:endParaRPr lang="en-US" dirty="0"/>
           </a:p>
@@ -3026,7 +3123,7 @@
             <a:fld id="{B61BEF0D-F0BB-DE4B-95CE-6DB70DBA9567}" type="datetimeFigureOut">
               <a:rPr lang="en-US" dirty="0"/>
               <a:pPr/>
-              <a:t>5/16/2019</a:t>
+              <a:t>5/16/19</a:t>
             </a:fld>
             <a:endParaRPr lang="en-US" dirty="0"/>
           </a:p>
@@ -3350,7 +3447,7 @@
             <a:fld id="{B61BEF0D-F0BB-DE4B-95CE-6DB70DBA9567}" type="datetimeFigureOut">
               <a:rPr lang="en-US" dirty="0"/>
               <a:pPr/>
-              <a:t>5/16/2019</a:t>
+              <a:t>5/16/19</a:t>
             </a:fld>
             <a:endParaRPr lang="en-US" dirty="0"/>
           </a:p>
@@ -3524,7 +3621,7 @@
             <a:fld id="{B61BEF0D-F0BB-DE4B-95CE-6DB70DBA9567}" type="datetimeFigureOut">
               <a:rPr lang="en-US" dirty="0"/>
               <a:pPr/>
-              <a:t>5/16/2019</a:t>
+              <a:t>5/16/19</a:t>
             </a:fld>
             <a:endParaRPr lang="en-US" dirty="0"/>
           </a:p>
@@ -3759,7 +3856,7 @@
             <a:fld id="{B61BEF0D-F0BB-DE4B-95CE-6DB70DBA9567}" type="datetimeFigureOut">
               <a:rPr lang="en-US" dirty="0"/>
               <a:pPr/>
-              <a:t>5/16/2019</a:t>
+              <a:t>5/16/19</a:t>
             </a:fld>
             <a:endParaRPr lang="en-US" dirty="0"/>
           </a:p>
@@ -3956,7 +4053,7 @@
             <a:fld id="{B61BEF0D-F0BB-DE4B-95CE-6DB70DBA9567}" type="datetimeFigureOut">
               <a:rPr lang="en-US" dirty="0"/>
               <a:pPr/>
-              <a:t>5/16/2019</a:t>
+              <a:t>5/16/19</a:t>
             </a:fld>
             <a:endParaRPr lang="en-US" dirty="0"/>
           </a:p>
@@ -4229,7 +4326,7 @@
             <a:fld id="{B61BEF0D-F0BB-DE4B-95CE-6DB70DBA9567}" type="datetimeFigureOut">
               <a:rPr lang="en-US" dirty="0"/>
               <a:pPr/>
-              <a:t>5/16/2019</a:t>
+              <a:t>5/16/19</a:t>
             </a:fld>
             <a:endParaRPr lang="en-US" dirty="0"/>
           </a:p>
@@ -4492,7 +4589,7 @@
             <a:fld id="{B61BEF0D-F0BB-DE4B-95CE-6DB70DBA9567}" type="datetimeFigureOut">
               <a:rPr lang="en-US" dirty="0"/>
               <a:pPr/>
-              <a:t>5/16/2019</a:t>
+              <a:t>5/16/19</a:t>
             </a:fld>
             <a:endParaRPr lang="en-US" dirty="0"/>
           </a:p>
@@ -4863,7 +4960,7 @@
             <a:fld id="{B61BEF0D-F0BB-DE4B-95CE-6DB70DBA9567}" type="datetimeFigureOut">
               <a:rPr lang="en-US" dirty="0"/>
               <a:pPr/>
-              <a:t>5/16/2019</a:t>
+              <a:t>5/16/19</a:t>
             </a:fld>
             <a:endParaRPr lang="en-US" dirty="0"/>
           </a:p>
@@ -5008,7 +5105,7 @@
             <a:fld id="{B61BEF0D-F0BB-DE4B-95CE-6DB70DBA9567}" type="datetimeFigureOut">
               <a:rPr lang="en-US" dirty="0"/>
               <a:pPr/>
-              <a:t>5/16/2019</a:t>
+              <a:t>5/16/19</a:t>
             </a:fld>
             <a:endParaRPr lang="en-US" dirty="0"/>
           </a:p>
@@ -5130,7 +5227,7 @@
             <a:fld id="{B61BEF0D-F0BB-DE4B-95CE-6DB70DBA9567}" type="datetimeFigureOut">
               <a:rPr lang="en-US" dirty="0"/>
               <a:pPr/>
-              <a:t>5/16/2019</a:t>
+              <a:t>5/16/19</a:t>
             </a:fld>
             <a:endParaRPr lang="en-US" dirty="0"/>
           </a:p>
@@ -5412,7 +5509,7 @@
             <a:fld id="{B61BEF0D-F0BB-DE4B-95CE-6DB70DBA9567}" type="datetimeFigureOut">
               <a:rPr lang="en-US" dirty="0"/>
               <a:pPr/>
-              <a:t>5/16/2019</a:t>
+              <a:t>5/16/19</a:t>
             </a:fld>
             <a:endParaRPr lang="en-US" dirty="0"/>
           </a:p>
@@ -5733,7 +5830,7 @@
             <a:fld id="{B61BEF0D-F0BB-DE4B-95CE-6DB70DBA9567}" type="datetimeFigureOut">
               <a:rPr lang="en-US" dirty="0"/>
               <a:pPr/>
-              <a:t>5/16/2019</a:t>
+              <a:t>5/16/19</a:t>
             </a:fld>
             <a:endParaRPr lang="en-US" dirty="0"/>
           </a:p>
@@ -5944,7 +6041,7 @@
             <a:fld id="{B61BEF0D-F0BB-DE4B-95CE-6DB70DBA9567}" type="datetimeFigureOut">
               <a:rPr lang="en-US" dirty="0"/>
               <a:pPr/>
-              <a:t>5/16/2019</a:t>
+              <a:t>5/16/19</a:t>
             </a:fld>
             <a:endParaRPr lang="en-US" dirty="0"/>
           </a:p>
@@ -6568,18 +6665,18 @@
         </p:nvSpPr>
         <p:spPr>
           <a:xfrm>
-            <a:off x="825909" y="808055"/>
-            <a:ext cx="3979205" cy="1453363"/>
+            <a:off x="705987" y="582589"/>
+            <a:ext cx="4585334" cy="1453363"/>
           </a:xfrm>
         </p:spPr>
         <p:txBody>
           <a:bodyPr vert="horz" lIns="91440" tIns="45720" rIns="91440" bIns="45720" rtlCol="0" anchor="ctr">
-            <a:normAutofit/>
+            <a:noAutofit/>
           </a:bodyPr>
           <a:lstStyle/>
           <a:p>
             <a:r>
-              <a:rPr lang="en-US" dirty="0"/>
+              <a:rPr lang="en-US" sz="5400" b="1" dirty="0"/>
               <a:t>our project</a:t>
             </a:r>
           </a:p>
@@ -6599,7 +6696,7 @@
         </p:nvSpPr>
         <p:spPr>
           <a:xfrm>
-            <a:off x="0" y="2035952"/>
+            <a:off x="125263" y="2305775"/>
             <a:ext cx="5411243" cy="3067532"/>
           </a:xfrm>
           <a:prstGeom prst="rect">
@@ -6624,7 +6721,9 @@
               <a:buChar char="•"/>
             </a:pPr>
             <a:r>
-              <a:rPr lang="en-CA" sz="3600" dirty="0"/>
+              <a:rPr lang="en-CA" sz="3600" dirty="0">
+                <a:latin typeface="Bell MT" panose="02020503060305020303" pitchFamily="18" charset="77"/>
+              </a:rPr>
               <a:t>At which angle should we throw a frisbee in order to reach a maximum distance?</a:t>
             </a:r>
           </a:p>
@@ -6644,7 +6743,26 @@
               <a:rPr lang="en-US" sz="3600" dirty="0">
                 <a:latin typeface="Bell MT" panose="02020503060305020303" pitchFamily="18" charset="77"/>
               </a:rPr>
-              <a:t> </a:t>
+              <a:t> Rise of sports using it</a:t>
+            </a:r>
+          </a:p>
+          <a:p>
+            <a:pPr marL="285750" indent="-285750">
+              <a:spcAft>
+                <a:spcPts val="1000"/>
+              </a:spcAft>
+              <a:buClr>
+                <a:schemeClr val="tx1"/>
+              </a:buClr>
+              <a:buSzPct val="100000"/>
+              <a:buFont typeface="Arial"/>
+              <a:buChar char="•"/>
+            </a:pPr>
+            <a:r>
+              <a:rPr lang="en-US" sz="3600" dirty="0">
+                <a:latin typeface="Bell MT" panose="02020503060305020303" pitchFamily="18" charset="77"/>
+              </a:rPr>
+              <a:t> Data we can easily verify</a:t>
             </a:r>
           </a:p>
         </p:txBody>
@@ -6727,11 +6845,13 @@
         </p:nvSpPr>
         <p:spPr/>
         <p:txBody>
-          <a:bodyPr/>
-          <a:lstStyle/>
-          <a:p>
-            <a:r>
-              <a:rPr lang="fr-CA" dirty="0"/>
+          <a:bodyPr>
+            <a:normAutofit/>
+          </a:bodyPr>
+          <a:lstStyle/>
+          <a:p>
+            <a:r>
+              <a:rPr lang="fr-CA" sz="5400" b="1" dirty="0"/>
               <a:t>Model</a:t>
             </a:r>
           </a:p>
@@ -6761,36 +6881,27 @@
           <a:lstStyle/>
           <a:p>
             <a:r>
-              <a:rPr lang="fr-CA" sz="3600" dirty="0" err="1"/>
-              <a:t>Euler’s</a:t>
-            </a:r>
-            <a:r>
-              <a:rPr lang="fr-CA" sz="3600" dirty="0"/>
-              <a:t> </a:t>
-            </a:r>
-            <a:r>
-              <a:rPr lang="fr-CA" sz="3600" dirty="0" err="1"/>
-              <a:t>method</a:t>
-            </a:r>
-            <a:endParaRPr lang="fr-CA" sz="3600" dirty="0"/>
-          </a:p>
-          <a:p>
-            <a:r>
-              <a:rPr lang="fr-CA" sz="3600" dirty="0"/>
-              <a:t>Golden </a:t>
-            </a:r>
-            <a:r>
-              <a:rPr lang="fr-CA" sz="3600" dirty="0" err="1"/>
-              <a:t>search</a:t>
-            </a:r>
-            <a:endParaRPr lang="fr-CA" sz="3600" dirty="0"/>
-          </a:p>
-          <a:p>
-            <a:r>
-              <a:rPr lang="fr-CA" sz="3600" dirty="0" err="1"/>
+              <a:rPr lang="en-CA" sz="3600" dirty="0">
+                <a:latin typeface="Bell MT" panose="02020503060305020303" pitchFamily="18" charset="77"/>
+              </a:rPr>
+              <a:t>Euler’s method</a:t>
+            </a:r>
+          </a:p>
+          <a:p>
+            <a:r>
+              <a:rPr lang="en-CA" sz="3600" dirty="0">
+                <a:latin typeface="Bell MT" panose="02020503060305020303" pitchFamily="18" charset="77"/>
+              </a:rPr>
+              <a:t>Golden search</a:t>
+            </a:r>
+          </a:p>
+          <a:p>
+            <a:r>
+              <a:rPr lang="en-CA" sz="3600" dirty="0">
+                <a:latin typeface="Bell MT" panose="02020503060305020303" pitchFamily="18" charset="77"/>
+              </a:rPr>
               <a:t>Optimization</a:t>
             </a:r>
-            <a:endParaRPr lang="fr-CA" sz="3600" dirty="0"/>
           </a:p>
           <a:p>
             <a:endParaRPr lang="fr-CA" sz="3600" dirty="0"/>
@@ -6856,7 +6967,7 @@
         </p:nvSpPr>
         <p:spPr>
           <a:xfrm>
-            <a:off x="825909" y="808055"/>
+            <a:off x="1310547" y="626281"/>
             <a:ext cx="3979205" cy="1453363"/>
           </a:xfrm>
         </p:spPr>
@@ -6867,7 +6978,7 @@
           <a:lstStyle/>
           <a:p>
             <a:r>
-              <a:rPr lang="en-CA" dirty="0"/>
+              <a:rPr lang="en-CA" sz="5400" b="1" dirty="0"/>
               <a:t>Theory</a:t>
             </a:r>
           </a:p>
@@ -6904,7 +7015,9 @@
               <a:lstStyle/>
               <a:p>
                 <a:r>
-                  <a:rPr lang="en-CA" sz="3600" dirty="0"/>
+                  <a:rPr lang="en-CA" sz="3600" dirty="0">
+                    <a:latin typeface="Bell MT" panose="02020503060305020303" pitchFamily="18" charset="77"/>
+                  </a:rPr>
                   <a:t>Drag force</a:t>
                 </a:r>
               </a:p>
@@ -6919,59 +7032,81 @@
                     </m:oMathParaPr>
                     <m:oMath xmlns:m="http://schemas.openxmlformats.org/officeDocument/2006/math">
                       <m:r>
-                        <a:rPr lang="en-CA" sz="2800" i="1"/>
+                        <a:rPr lang="en-CA" sz="2800" i="1">
+                          <a:latin typeface="Cambria Math" panose="02040503050406030204" pitchFamily="18" charset="0"/>
+                        </a:rPr>
                         <m:t>𝐹𝑑</m:t>
                       </m:r>
                       <m:r>
-                        <a:rPr lang="en-CA" sz="2800" i="1"/>
+                        <a:rPr lang="en-CA" sz="2800" i="1">
+                          <a:latin typeface="Cambria Math" panose="02040503050406030204" pitchFamily="18" charset="0"/>
+                        </a:rPr>
                         <m:t>=− </m:t>
                       </m:r>
                       <m:f>
                         <m:fPr>
                           <m:ctrlPr>
-                            <a:rPr lang="en-CA" sz="2800" i="1"/>
+                            <a:rPr lang="en-CA" sz="2800" i="1">
+                              <a:latin typeface="Cambria Math" panose="02040503050406030204" pitchFamily="18" charset="0"/>
+                            </a:rPr>
                           </m:ctrlPr>
                         </m:fPr>
                         <m:num>
                           <m:r>
-                            <a:rPr lang="en-CA" sz="2800" i="1"/>
+                            <a:rPr lang="en-CA" sz="2800" i="1">
+                              <a:latin typeface="Cambria Math" panose="02040503050406030204" pitchFamily="18" charset="0"/>
+                            </a:rPr>
                             <m:t>1</m:t>
                           </m:r>
                         </m:num>
                         <m:den>
                           <m:r>
-                            <a:rPr lang="en-CA" sz="2800" i="1"/>
+                            <a:rPr lang="en-CA" sz="2800" i="1">
+                              <a:latin typeface="Cambria Math" panose="02040503050406030204" pitchFamily="18" charset="0"/>
+                            </a:rPr>
                             <m:t>2 </m:t>
                           </m:r>
                         </m:den>
                       </m:f>
                       <m:r>
-                        <a:rPr lang="en-CA" sz="2800" i="1"/>
+                        <a:rPr lang="en-CA" sz="2800" i="1">
+                          <a:latin typeface="Cambria Math" panose="02040503050406030204" pitchFamily="18" charset="0"/>
+                        </a:rPr>
                         <m:t>𝐶𝑑</m:t>
                       </m:r>
                       <m:r>
-                        <a:rPr lang="en-CA" sz="2800" i="1"/>
+                        <a:rPr lang="en-CA" sz="2800" i="1">
+                          <a:latin typeface="Cambria Math" panose="02040503050406030204" pitchFamily="18" charset="0"/>
+                        </a:rPr>
                         <m:t>𝜌</m:t>
                       </m:r>
                       <m:r>
-                        <a:rPr lang="en-CA" sz="2800" i="1"/>
+                        <a:rPr lang="en-CA" sz="2800" i="1">
+                          <a:latin typeface="Cambria Math" panose="02040503050406030204" pitchFamily="18" charset="0"/>
+                        </a:rPr>
                         <m:t>𝐴</m:t>
                       </m:r>
                       <m:sSup>
                         <m:sSupPr>
                           <m:ctrlPr>
-                            <a:rPr lang="en-CA" sz="2800" i="1"/>
+                            <a:rPr lang="en-CA" sz="2800" i="1">
+                              <a:latin typeface="Cambria Math" panose="02040503050406030204" pitchFamily="18" charset="0"/>
+                            </a:rPr>
                           </m:ctrlPr>
                         </m:sSupPr>
                         <m:e>
                           <m:r>
-                            <a:rPr lang="en-CA" sz="2800" i="1"/>
+                            <a:rPr lang="en-CA" sz="2800" i="1">
+                              <a:latin typeface="Cambria Math" panose="02040503050406030204" pitchFamily="18" charset="0"/>
+                            </a:rPr>
                             <m:t>𝑣</m:t>
                           </m:r>
                         </m:e>
                         <m:sup>
                           <m:r>
-                            <a:rPr lang="en-CA" sz="2800" i="1"/>
+                            <a:rPr lang="en-CA" sz="2800" i="1">
+                              <a:latin typeface="Cambria Math" panose="02040503050406030204" pitchFamily="18" charset="0"/>
+                            </a:rPr>
                             <m:t>2</m:t>
                           </m:r>
                         </m:sup>
@@ -6983,7 +7118,9 @@
               </a:p>
               <a:p>
                 <a:r>
-                  <a:rPr lang="en-CA" sz="3600" dirty="0"/>
+                  <a:rPr lang="en-CA" sz="3600" dirty="0">
+                    <a:latin typeface="Bell MT" panose="02020503060305020303" pitchFamily="18" charset="77"/>
+                  </a:rPr>
                   <a:t>Lift force</a:t>
                 </a:r>
               </a:p>
@@ -6998,65 +7135,89 @@
                     </m:oMathParaPr>
                     <m:oMath xmlns:m="http://schemas.openxmlformats.org/officeDocument/2006/math">
                       <m:r>
-                        <a:rPr lang="en-CA" sz="2800" i="1"/>
+                        <a:rPr lang="en-CA" sz="2800" i="1">
+                          <a:latin typeface="Cambria Math" panose="02040503050406030204" pitchFamily="18" charset="0"/>
+                        </a:rPr>
                         <m:t>𝐹𝑙</m:t>
                       </m:r>
                       <m:r>
-                        <a:rPr lang="en-CA" sz="2800" i="1"/>
+                        <a:rPr lang="en-CA" sz="2800" i="1">
+                          <a:latin typeface="Cambria Math" panose="02040503050406030204" pitchFamily="18" charset="0"/>
+                        </a:rPr>
                         <m:t>= </m:t>
                       </m:r>
                       <m:f>
                         <m:fPr>
                           <m:ctrlPr>
-                            <a:rPr lang="en-CA" sz="2800" i="1"/>
+                            <a:rPr lang="en-CA" sz="2800" i="1">
+                              <a:latin typeface="Cambria Math" panose="02040503050406030204" pitchFamily="18" charset="0"/>
+                            </a:rPr>
                           </m:ctrlPr>
                         </m:fPr>
                         <m:num>
                           <m:r>
-                            <a:rPr lang="en-CA" sz="2800" i="1"/>
+                            <a:rPr lang="en-CA" sz="2800" i="1">
+                              <a:latin typeface="Cambria Math" panose="02040503050406030204" pitchFamily="18" charset="0"/>
+                            </a:rPr>
                             <m:t>1</m:t>
                           </m:r>
                         </m:num>
                         <m:den>
                           <m:r>
-                            <a:rPr lang="en-CA" sz="2800" i="1"/>
+                            <a:rPr lang="en-CA" sz="2800" i="1">
+                              <a:latin typeface="Cambria Math" panose="02040503050406030204" pitchFamily="18" charset="0"/>
+                            </a:rPr>
                             <m:t>2 </m:t>
                           </m:r>
                         </m:den>
                       </m:f>
                       <m:r>
-                        <a:rPr lang="en-CA" sz="2800" i="1"/>
+                        <a:rPr lang="en-CA" sz="2800" i="1">
+                          <a:latin typeface="Cambria Math" panose="02040503050406030204" pitchFamily="18" charset="0"/>
+                        </a:rPr>
                         <m:t>𝐶𝑙</m:t>
                       </m:r>
                       <m:r>
-                        <a:rPr lang="en-CA" sz="2800" i="1"/>
+                        <a:rPr lang="en-CA" sz="2800" i="1">
+                          <a:latin typeface="Cambria Math" panose="02040503050406030204" pitchFamily="18" charset="0"/>
+                        </a:rPr>
                         <m:t>𝜌</m:t>
                       </m:r>
                       <m:r>
-                        <a:rPr lang="en-CA" sz="2800" i="1"/>
+                        <a:rPr lang="en-CA" sz="2800" i="1">
+                          <a:latin typeface="Cambria Math" panose="02040503050406030204" pitchFamily="18" charset="0"/>
+                        </a:rPr>
                         <m:t>𝐴</m:t>
                       </m:r>
                       <m:sSup>
                         <m:sSupPr>
                           <m:ctrlPr>
-                            <a:rPr lang="en-CA" sz="2800" i="1"/>
+                            <a:rPr lang="en-CA" sz="2800" i="1">
+                              <a:latin typeface="Cambria Math" panose="02040503050406030204" pitchFamily="18" charset="0"/>
+                            </a:rPr>
                           </m:ctrlPr>
                         </m:sSupPr>
                         <m:e>
                           <m:r>
-                            <a:rPr lang="en-CA" sz="2800" i="1"/>
+                            <a:rPr lang="en-CA" sz="2800" i="1">
+                              <a:latin typeface="Cambria Math" panose="02040503050406030204" pitchFamily="18" charset="0"/>
+                            </a:rPr>
                             <m:t>𝑣</m:t>
                           </m:r>
                         </m:e>
                         <m:sup>
                           <m:r>
-                            <a:rPr lang="en-CA" sz="2800" i="1"/>
+                            <a:rPr lang="en-CA" sz="2800" i="1">
+                              <a:latin typeface="Cambria Math" panose="02040503050406030204" pitchFamily="18" charset="0"/>
+                            </a:rPr>
                             <m:t>2</m:t>
                           </m:r>
                         </m:sup>
                       </m:sSup>
                       <m:r>
-                        <a:rPr lang="en-CA" sz="2800" i="1"/>
+                        <a:rPr lang="en-CA" sz="2800" i="1">
+                          <a:latin typeface="Cambria Math" panose="02040503050406030204" pitchFamily="18" charset="0"/>
+                        </a:rPr>
                         <m:t> </m:t>
                       </m:r>
                     </m:oMath>
@@ -7095,7 +7256,7 @@
               <a:blipFill>
                 <a:blip r:embed="rId4"/>
                 <a:stretch>
-                  <a:fillRect l="-4268" t="-5360"/>
+                  <a:fillRect l="-4114" t="-5208"/>
                 </a:stretch>
               </a:blipFill>
             </p:spPr>
@@ -7104,7 +7265,7 @@
               <a:lstStyle/>
               <a:p>
                 <a:r>
-                  <a:rPr lang="en-CA">
+                  <a:rPr lang="fr-CA">
                     <a:noFill/>
                   </a:rPr>
                   <a:t> </a:t>
@@ -7143,43 +7304,181 @@
             <a:off x="5289752" y="1352963"/>
             <a:ext cx="6095593" cy="3989842"/>
           </a:xfrm>
-          <a:prstGeom prst="roundRect">
-            <a:avLst>
-              <a:gd name="adj" fmla="val 4380"/>
-            </a:avLst>
+          <a:prstGeom prst="rect">
+            <a:avLst/>
           </a:prstGeom>
-          <a:ln w="50800" cap="sq" cmpd="dbl">
-            <a:gradFill flip="none" rotWithShape="1">
-              <a:gsLst>
-                <a:gs pos="0">
-                  <a:srgbClr val="FFFFFF"/>
-                </a:gs>
-                <a:gs pos="100000">
-                  <a:schemeClr val="tx1">
-                    <a:alpha val="0"/>
-                  </a:schemeClr>
-                </a:gs>
-              </a:gsLst>
-              <a:path path="circle">
-                <a:fillToRect l="50000" t="50000" r="50000" b="50000"/>
-              </a:path>
-              <a:tileRect/>
-            </a:gradFill>
+          <a:solidFill>
+            <a:srgbClr val="FFFFFF">
+              <a:shade val="85000"/>
+            </a:srgbClr>
+          </a:solidFill>
+          <a:ln w="88900" cap="sq">
+            <a:solidFill>
+              <a:srgbClr val="FFFFFF"/>
+            </a:solidFill>
             <a:miter lim="800000"/>
           </a:ln>
           <a:effectLst>
-            <a:outerShdw blurRad="254000" algn="tl" rotWithShape="0">
+            <a:outerShdw blurRad="55000" dist="18000" dir="5400000" algn="tl" rotWithShape="0">
               <a:srgbClr val="000000">
-                <a:alpha val="43000"/>
+                <a:alpha val="40000"/>
               </a:srgbClr>
             </a:outerShdw>
           </a:effectLst>
+          <a:scene3d>
+            <a:camera prst="orthographicFront"/>
+            <a:lightRig rig="twoPt" dir="t">
+              <a:rot lat="0" lon="0" rev="7200000"/>
+            </a:lightRig>
+          </a:scene3d>
+          <a:sp3d>
+            <a:bevelT w="25400" h="19050"/>
+            <a:contourClr>
+              <a:srgbClr val="FFFFFF"/>
+            </a:contourClr>
+          </a:sp3d>
         </p:spPr>
       </p:pic>
     </p:spTree>
     <p:extLst>
       <p:ext uri="{BB962C8B-B14F-4D97-AF65-F5344CB8AC3E}">
         <p14:creationId xmlns:p14="http://schemas.microsoft.com/office/powerpoint/2010/main" val="1551146511"/>
+      </p:ext>
+    </p:extLst>
+  </p:cSld>
+  <p:clrMapOvr>
+    <a:masterClrMapping/>
+  </p:clrMapOvr>
+</p:sld>
+</file>
+
+<file path=ppt/slides/slide5.xml><?xml version="1.0" encoding="utf-8"?>
+<p:sld xmlns:a="http://schemas.openxmlformats.org/drawingml/2006/main" xmlns:r="http://schemas.openxmlformats.org/officeDocument/2006/relationships" xmlns:p="http://schemas.openxmlformats.org/presentationml/2006/main">
+  <p:cSld>
+    <p:bg>
+      <p:bgPr>
+        <a:blipFill>
+          <a:blip r:embed="rId3">
+            <a:extLst/>
+          </a:blip>
+          <a:stretch/>
+        </a:blipFill>
+        <a:effectLst/>
+      </p:bgPr>
+    </p:bg>
+    <p:spTree>
+      <p:nvGrpSpPr>
+        <p:cNvPr id="1" name=""/>
+        <p:cNvGrpSpPr/>
+        <p:nvPr/>
+      </p:nvGrpSpPr>
+      <p:grpSpPr>
+        <a:xfrm>
+          <a:off x="0" y="0"/>
+          <a:ext cx="0" cy="0"/>
+          <a:chOff x="0" y="0"/>
+          <a:chExt cx="0" cy="0"/>
+        </a:xfrm>
+      </p:grpSpPr>
+      <p:sp>
+        <p:nvSpPr>
+          <p:cNvPr id="2" name="Title 1">
+            <a:extLst>
+              <a:ext uri="{FF2B5EF4-FFF2-40B4-BE49-F238E27FC236}">
+                <a16:creationId xmlns:a16="http://schemas.microsoft.com/office/drawing/2014/main" id="{DB9A4CB8-BE40-C244-8F11-ECF5F352EEF9}"/>
+              </a:ext>
+            </a:extLst>
+          </p:cNvPr>
+          <p:cNvSpPr>
+            <a:spLocks noGrp="1"/>
+          </p:cNvSpPr>
+          <p:nvPr>
+            <p:ph type="title"/>
+          </p:nvPr>
+        </p:nvSpPr>
+        <p:spPr>
+          <a:xfrm>
+            <a:off x="406185" y="645393"/>
+            <a:ext cx="3979205" cy="1453363"/>
+          </a:xfrm>
+        </p:spPr>
+        <p:txBody>
+          <a:bodyPr>
+            <a:normAutofit/>
+          </a:bodyPr>
+          <a:lstStyle/>
+          <a:p>
+            <a:r>
+              <a:rPr lang="en-CA" sz="5400" b="1" dirty="0"/>
+              <a:t>Results</a:t>
+            </a:r>
+          </a:p>
+        </p:txBody>
+      </p:sp>
+      <p:pic>
+        <p:nvPicPr>
+          <p:cNvPr id="8" name="Content Placeholder 4">
+            <a:extLst>
+              <a:ext uri="{FF2B5EF4-FFF2-40B4-BE49-F238E27FC236}">
+                <a16:creationId xmlns:a16="http://schemas.microsoft.com/office/drawing/2014/main" id="{9184066E-3C38-844C-86D4-7C0459C0A4A4}"/>
+              </a:ext>
+            </a:extLst>
+          </p:cNvPr>
+          <p:cNvPicPr>
+            <a:picLocks noChangeAspect="1"/>
+          </p:cNvPicPr>
+          <p:nvPr/>
+        </p:nvPicPr>
+        <p:blipFill>
+          <a:blip r:embed="rId4"/>
+          <a:stretch>
+            <a:fillRect/>
+          </a:stretch>
+        </p:blipFill>
+        <p:spPr>
+          <a:xfrm>
+            <a:off x="3682992" y="637490"/>
+            <a:ext cx="7787706" cy="5412455"/>
+          </a:xfrm>
+          <a:prstGeom prst="rect">
+            <a:avLst/>
+          </a:prstGeom>
+          <a:solidFill>
+            <a:srgbClr val="FFFFFF">
+              <a:shade val="85000"/>
+            </a:srgbClr>
+          </a:solidFill>
+          <a:ln w="88900" cap="sq">
+            <a:solidFill>
+              <a:srgbClr val="FFFFFF"/>
+            </a:solidFill>
+            <a:miter lim="800000"/>
+          </a:ln>
+          <a:effectLst>
+            <a:outerShdw blurRad="55000" dist="18000" dir="5400000" algn="tl" rotWithShape="0">
+              <a:srgbClr val="000000">
+                <a:alpha val="40000"/>
+              </a:srgbClr>
+            </a:outerShdw>
+          </a:effectLst>
+          <a:scene3d>
+            <a:camera prst="orthographicFront"/>
+            <a:lightRig rig="twoPt" dir="t">
+              <a:rot lat="0" lon="0" rev="7200000"/>
+            </a:lightRig>
+          </a:scene3d>
+          <a:sp3d>
+            <a:bevelT w="25400" h="19050"/>
+            <a:contourClr>
+              <a:srgbClr val="FFFFFF"/>
+            </a:contourClr>
+          </a:sp3d>
+        </p:spPr>
+      </p:pic>
+    </p:spTree>
+    <p:extLst>
+      <p:ext uri="{BB962C8B-B14F-4D97-AF65-F5344CB8AC3E}">
+        <p14:creationId xmlns:p14="http://schemas.microsoft.com/office/powerpoint/2010/main" val="4204528482"/>
       </p:ext>
     </p:extLst>
   </p:cSld>

--- a/report/PowerPointPresentationv2.pptx
+++ b/report/PowerPointPresentationv2.pptx
@@ -850,6 +850,12 @@
               <a:t>We took the x and y values for the optimal angle and plot a graph to illustrate the Frisbee’s trajectory. </a:t>
             </a:r>
           </a:p>
+          <a:p>
+            <a:r>
+              <a:rPr lang="en-CA" noProof="0" dirty="0"/>
+              <a:t>Which means that when thrown at an angle of _____, the frisbee reached a distance of ____ meters</a:t>
+            </a:r>
+          </a:p>
         </p:txBody>
       </p:sp>
       <p:sp>
@@ -1118,7 +1124,7 @@
             <a:fld id="{B61BEF0D-F0BB-DE4B-95CE-6DB70DBA9567}" type="datetimeFigureOut">
               <a:rPr lang="en-US" dirty="0"/>
               <a:pPr/>
-              <a:t>5/16/19</a:t>
+              <a:t>5/16/2019</a:t>
             </a:fld>
             <a:endParaRPr lang="en-US" dirty="0"/>
           </a:p>
@@ -1449,7 +1455,7 @@
             <a:fld id="{B61BEF0D-F0BB-DE4B-95CE-6DB70DBA9567}" type="datetimeFigureOut">
               <a:rPr lang="en-US" dirty="0"/>
               <a:pPr/>
-              <a:t>5/16/19</a:t>
+              <a:t>5/16/2019</a:t>
             </a:fld>
             <a:endParaRPr lang="en-US" dirty="0"/>
           </a:p>
@@ -1724,7 +1730,7 @@
             <a:fld id="{B61BEF0D-F0BB-DE4B-95CE-6DB70DBA9567}" type="datetimeFigureOut">
               <a:rPr lang="en-US" dirty="0"/>
               <a:pPr/>
-              <a:t>5/16/19</a:t>
+              <a:t>5/16/2019</a:t>
             </a:fld>
             <a:endParaRPr lang="en-US" dirty="0"/>
           </a:p>
@@ -2289,7 +2295,7 @@
             <a:fld id="{B61BEF0D-F0BB-DE4B-95CE-6DB70DBA9567}" type="datetimeFigureOut">
               <a:rPr lang="en-US" dirty="0"/>
               <a:pPr/>
-              <a:t>5/16/19</a:t>
+              <a:t>5/16/2019</a:t>
             </a:fld>
             <a:endParaRPr lang="en-US" dirty="0"/>
           </a:p>
@@ -2564,7 +2570,7 @@
             <a:fld id="{B61BEF0D-F0BB-DE4B-95CE-6DB70DBA9567}" type="datetimeFigureOut">
               <a:rPr lang="en-US" dirty="0"/>
               <a:pPr/>
-              <a:t>5/16/19</a:t>
+              <a:t>5/16/2019</a:t>
             </a:fld>
             <a:endParaRPr lang="en-US" dirty="0"/>
           </a:p>
@@ -3123,7 +3129,7 @@
             <a:fld id="{B61BEF0D-F0BB-DE4B-95CE-6DB70DBA9567}" type="datetimeFigureOut">
               <a:rPr lang="en-US" dirty="0"/>
               <a:pPr/>
-              <a:t>5/16/19</a:t>
+              <a:t>5/16/2019</a:t>
             </a:fld>
             <a:endParaRPr lang="en-US" dirty="0"/>
           </a:p>
@@ -3447,7 +3453,7 @@
             <a:fld id="{B61BEF0D-F0BB-DE4B-95CE-6DB70DBA9567}" type="datetimeFigureOut">
               <a:rPr lang="en-US" dirty="0"/>
               <a:pPr/>
-              <a:t>5/16/19</a:t>
+              <a:t>5/16/2019</a:t>
             </a:fld>
             <a:endParaRPr lang="en-US" dirty="0"/>
           </a:p>
@@ -3621,7 +3627,7 @@
             <a:fld id="{B61BEF0D-F0BB-DE4B-95CE-6DB70DBA9567}" type="datetimeFigureOut">
               <a:rPr lang="en-US" dirty="0"/>
               <a:pPr/>
-              <a:t>5/16/19</a:t>
+              <a:t>5/16/2019</a:t>
             </a:fld>
             <a:endParaRPr lang="en-US" dirty="0"/>
           </a:p>
@@ -3856,7 +3862,7 @@
             <a:fld id="{B61BEF0D-F0BB-DE4B-95CE-6DB70DBA9567}" type="datetimeFigureOut">
               <a:rPr lang="en-US" dirty="0"/>
               <a:pPr/>
-              <a:t>5/16/19</a:t>
+              <a:t>5/16/2019</a:t>
             </a:fld>
             <a:endParaRPr lang="en-US" dirty="0"/>
           </a:p>
@@ -4053,7 +4059,7 @@
             <a:fld id="{B61BEF0D-F0BB-DE4B-95CE-6DB70DBA9567}" type="datetimeFigureOut">
               <a:rPr lang="en-US" dirty="0"/>
               <a:pPr/>
-              <a:t>5/16/19</a:t>
+              <a:t>5/16/2019</a:t>
             </a:fld>
             <a:endParaRPr lang="en-US" dirty="0"/>
           </a:p>
@@ -4326,7 +4332,7 @@
             <a:fld id="{B61BEF0D-F0BB-DE4B-95CE-6DB70DBA9567}" type="datetimeFigureOut">
               <a:rPr lang="en-US" dirty="0"/>
               <a:pPr/>
-              <a:t>5/16/19</a:t>
+              <a:t>5/16/2019</a:t>
             </a:fld>
             <a:endParaRPr lang="en-US" dirty="0"/>
           </a:p>
@@ -4589,7 +4595,7 @@
             <a:fld id="{B61BEF0D-F0BB-DE4B-95CE-6DB70DBA9567}" type="datetimeFigureOut">
               <a:rPr lang="en-US" dirty="0"/>
               <a:pPr/>
-              <a:t>5/16/19</a:t>
+              <a:t>5/16/2019</a:t>
             </a:fld>
             <a:endParaRPr lang="en-US" dirty="0"/>
           </a:p>
@@ -4960,7 +4966,7 @@
             <a:fld id="{B61BEF0D-F0BB-DE4B-95CE-6DB70DBA9567}" type="datetimeFigureOut">
               <a:rPr lang="en-US" dirty="0"/>
               <a:pPr/>
-              <a:t>5/16/19</a:t>
+              <a:t>5/16/2019</a:t>
             </a:fld>
             <a:endParaRPr lang="en-US" dirty="0"/>
           </a:p>
@@ -5105,7 +5111,7 @@
             <a:fld id="{B61BEF0D-F0BB-DE4B-95CE-6DB70DBA9567}" type="datetimeFigureOut">
               <a:rPr lang="en-US" dirty="0"/>
               <a:pPr/>
-              <a:t>5/16/19</a:t>
+              <a:t>5/16/2019</a:t>
             </a:fld>
             <a:endParaRPr lang="en-US" dirty="0"/>
           </a:p>
@@ -5227,7 +5233,7 @@
             <a:fld id="{B61BEF0D-F0BB-DE4B-95CE-6DB70DBA9567}" type="datetimeFigureOut">
               <a:rPr lang="en-US" dirty="0"/>
               <a:pPr/>
-              <a:t>5/16/19</a:t>
+              <a:t>5/16/2019</a:t>
             </a:fld>
             <a:endParaRPr lang="en-US" dirty="0"/>
           </a:p>
@@ -5509,7 +5515,7 @@
             <a:fld id="{B61BEF0D-F0BB-DE4B-95CE-6DB70DBA9567}" type="datetimeFigureOut">
               <a:rPr lang="en-US" dirty="0"/>
               <a:pPr/>
-              <a:t>5/16/19</a:t>
+              <a:t>5/16/2019</a:t>
             </a:fld>
             <a:endParaRPr lang="en-US" dirty="0"/>
           </a:p>
@@ -5830,7 +5836,7 @@
             <a:fld id="{B61BEF0D-F0BB-DE4B-95CE-6DB70DBA9567}" type="datetimeFigureOut">
               <a:rPr lang="en-US" dirty="0"/>
               <a:pPr/>
-              <a:t>5/16/19</a:t>
+              <a:t>5/16/2019</a:t>
             </a:fld>
             <a:endParaRPr lang="en-US" dirty="0"/>
           </a:p>
@@ -6041,7 +6047,7 @@
             <a:fld id="{B61BEF0D-F0BB-DE4B-95CE-6DB70DBA9567}" type="datetimeFigureOut">
               <a:rPr lang="en-US" dirty="0"/>
               <a:pPr/>
-              <a:t>5/16/19</a:t>
+              <a:t>5/16/2019</a:t>
             </a:fld>
             <a:endParaRPr lang="en-US" dirty="0"/>
           </a:p>
@@ -6984,8 +6990,8 @@
           </a:p>
         </p:txBody>
       </p:sp>
-      <mc:AlternateContent xmlns:mc="http://schemas.openxmlformats.org/markup-compatibility/2006">
-        <mc:Choice xmlns:a14="http://schemas.microsoft.com/office/drawing/2010/main" Requires="a14">
+      <mc:AlternateContent xmlns:mc="http://schemas.openxmlformats.org/markup-compatibility/2006" xmlns:a14="http://schemas.microsoft.com/office/drawing/2010/main">
+        <mc:Choice Requires="a14">
           <p:sp>
             <p:nvSpPr>
               <p:cNvPr id="3" name="Content Placeholder 2">
@@ -7231,7 +7237,7 @@
             </p:txBody>
           </p:sp>
         </mc:Choice>
-        <mc:Fallback>
+        <mc:Fallback xmlns="">
           <p:sp>
             <p:nvSpPr>
               <p:cNvPr id="3" name="Content Placeholder 2">

--- a/report/PowerPointPresentationv2.pptx
+++ b/report/PowerPointPresentationv2.pptx
@@ -739,8 +739,77 @@
           <a:p>
             <a:r>
               <a:rPr lang="en-CA" dirty="0"/>
-              <a:t>We assumed that the average velocity of throw to be 14 m/s</a:t>
-            </a:r>
+              <a:t>Cd = drag coefficient </a:t>
+            </a:r>
+          </a:p>
+          <a:p>
+            <a:r>
+              <a:rPr lang="en-CA" dirty="0"/>
+              <a:t>P= density of fluid (in this case air)</a:t>
+            </a:r>
+          </a:p>
+          <a:p>
+            <a:r>
+              <a:rPr lang="en-CA" dirty="0"/>
+              <a:t>A=area of frisbee (0.0531</a:t>
+            </a:r>
+            <a:r>
+              <a:rPr lang="en-CA" sz="1200" kern="1200" dirty="0">
+                <a:solidFill>
+                  <a:schemeClr val="tx1"/>
+                </a:solidFill>
+                <a:effectLst/>
+                <a:latin typeface="+mn-lt"/>
+                <a:ea typeface="+mn-ea"/>
+                <a:cs typeface="+mn-cs"/>
+              </a:rPr>
+              <a:t>m</a:t>
+            </a:r>
+            <a:r>
+              <a:rPr lang="en-CA" sz="1200" kern="1200" baseline="30000" dirty="0">
+                <a:solidFill>
+                  <a:schemeClr val="tx1"/>
+                </a:solidFill>
+                <a:effectLst/>
+                <a:latin typeface="+mn-lt"/>
+                <a:ea typeface="+mn-ea"/>
+                <a:cs typeface="+mn-cs"/>
+              </a:rPr>
+              <a:t>2</a:t>
+            </a:r>
+            <a:r>
+              <a:rPr lang="en-CA" dirty="0">
+                <a:effectLst/>
+              </a:rPr>
+              <a:t> )</a:t>
+            </a:r>
+            <a:endParaRPr lang="en-CA" dirty="0"/>
+          </a:p>
+          <a:p>
+            <a:pPr marL="0" marR="0" lvl="0" indent="0" algn="l" defTabSz="914400" rtl="0" eaLnBrk="1" fontAlgn="auto" latinLnBrk="0" hangingPunct="1">
+              <a:lnSpc>
+                <a:spcPct val="100000"/>
+              </a:lnSpc>
+              <a:spcBef>
+                <a:spcPts val="0"/>
+              </a:spcBef>
+              <a:spcAft>
+                <a:spcPts val="0"/>
+              </a:spcAft>
+              <a:buClrTx/>
+              <a:buSzTx/>
+              <a:buFontTx/>
+              <a:buNone/>
+              <a:tabLst/>
+              <a:defRPr/>
+            </a:pPr>
+            <a:r>
+              <a:rPr lang="en-CA" dirty="0"/>
+              <a:t>V=We assumed that the average velocity of throw to be 14 m/s</a:t>
+            </a:r>
+          </a:p>
+          <a:p>
+            <a:endParaRPr lang="en-CA" dirty="0"/>
           </a:p>
           <a:p>
             <a:endParaRPr lang="en-CA" dirty="0"/>
@@ -760,7 +829,7 @@
           <a:p>
             <a:r>
               <a:rPr lang="en-CA" dirty="0"/>
-              <a:t>Both forces are influence by the </a:t>
+              <a:t>Both forces are influenced by the </a:t>
             </a:r>
           </a:p>
         </p:txBody>
@@ -847,13 +916,13 @@
           <a:p>
             <a:r>
               <a:rPr lang="en-CA" noProof="0" dirty="0"/>
-              <a:t>We took the x and y values for the optimal angle and plot a graph to illustrate the Frisbee’s trajectory. </a:t>
+              <a:t>We have printed the x and y positions of the Frisbee and plot a trajectory graph. These values were updated many times and it allowed us to make a precise graph to get the maximum flight distance.</a:t>
             </a:r>
           </a:p>
           <a:p>
             <a:r>
               <a:rPr lang="en-CA" noProof="0" dirty="0"/>
-              <a:t>Which means that when thrown at an angle of _____, the frisbee reached a distance of ____ meters</a:t>
+              <a:t>All these values were obtained using an optimal angle of throw. </a:t>
             </a:r>
           </a:p>
         </p:txBody>
@@ -1124,7 +1193,7 @@
             <a:fld id="{B61BEF0D-F0BB-DE4B-95CE-6DB70DBA9567}" type="datetimeFigureOut">
               <a:rPr lang="en-US" dirty="0"/>
               <a:pPr/>
-              <a:t>5/16/2019</a:t>
+              <a:t>5/16/19</a:t>
             </a:fld>
             <a:endParaRPr lang="en-US" dirty="0"/>
           </a:p>
@@ -1455,7 +1524,7 @@
             <a:fld id="{B61BEF0D-F0BB-DE4B-95CE-6DB70DBA9567}" type="datetimeFigureOut">
               <a:rPr lang="en-US" dirty="0"/>
               <a:pPr/>
-              <a:t>5/16/2019</a:t>
+              <a:t>5/16/19</a:t>
             </a:fld>
             <a:endParaRPr lang="en-US" dirty="0"/>
           </a:p>
@@ -1730,7 +1799,7 @@
             <a:fld id="{B61BEF0D-F0BB-DE4B-95CE-6DB70DBA9567}" type="datetimeFigureOut">
               <a:rPr lang="en-US" dirty="0"/>
               <a:pPr/>
-              <a:t>5/16/2019</a:t>
+              <a:t>5/16/19</a:t>
             </a:fld>
             <a:endParaRPr lang="en-US" dirty="0"/>
           </a:p>
@@ -2295,7 +2364,7 @@
             <a:fld id="{B61BEF0D-F0BB-DE4B-95CE-6DB70DBA9567}" type="datetimeFigureOut">
               <a:rPr lang="en-US" dirty="0"/>
               <a:pPr/>
-              <a:t>5/16/2019</a:t>
+              <a:t>5/16/19</a:t>
             </a:fld>
             <a:endParaRPr lang="en-US" dirty="0"/>
           </a:p>
@@ -2570,7 +2639,7 @@
             <a:fld id="{B61BEF0D-F0BB-DE4B-95CE-6DB70DBA9567}" type="datetimeFigureOut">
               <a:rPr lang="en-US" dirty="0"/>
               <a:pPr/>
-              <a:t>5/16/2019</a:t>
+              <a:t>5/16/19</a:t>
             </a:fld>
             <a:endParaRPr lang="en-US" dirty="0"/>
           </a:p>
@@ -3129,7 +3198,7 @@
             <a:fld id="{B61BEF0D-F0BB-DE4B-95CE-6DB70DBA9567}" type="datetimeFigureOut">
               <a:rPr lang="en-US" dirty="0"/>
               <a:pPr/>
-              <a:t>5/16/2019</a:t>
+              <a:t>5/16/19</a:t>
             </a:fld>
             <a:endParaRPr lang="en-US" dirty="0"/>
           </a:p>
@@ -3453,7 +3522,7 @@
             <a:fld id="{B61BEF0D-F0BB-DE4B-95CE-6DB70DBA9567}" type="datetimeFigureOut">
               <a:rPr lang="en-US" dirty="0"/>
               <a:pPr/>
-              <a:t>5/16/2019</a:t>
+              <a:t>5/16/19</a:t>
             </a:fld>
             <a:endParaRPr lang="en-US" dirty="0"/>
           </a:p>
@@ -3627,7 +3696,7 @@
             <a:fld id="{B61BEF0D-F0BB-DE4B-95CE-6DB70DBA9567}" type="datetimeFigureOut">
               <a:rPr lang="en-US" dirty="0"/>
               <a:pPr/>
-              <a:t>5/16/2019</a:t>
+              <a:t>5/16/19</a:t>
             </a:fld>
             <a:endParaRPr lang="en-US" dirty="0"/>
           </a:p>
@@ -3862,7 +3931,7 @@
             <a:fld id="{B61BEF0D-F0BB-DE4B-95CE-6DB70DBA9567}" type="datetimeFigureOut">
               <a:rPr lang="en-US" dirty="0"/>
               <a:pPr/>
-              <a:t>5/16/2019</a:t>
+              <a:t>5/16/19</a:t>
             </a:fld>
             <a:endParaRPr lang="en-US" dirty="0"/>
           </a:p>
@@ -4059,7 +4128,7 @@
             <a:fld id="{B61BEF0D-F0BB-DE4B-95CE-6DB70DBA9567}" type="datetimeFigureOut">
               <a:rPr lang="en-US" dirty="0"/>
               <a:pPr/>
-              <a:t>5/16/2019</a:t>
+              <a:t>5/16/19</a:t>
             </a:fld>
             <a:endParaRPr lang="en-US" dirty="0"/>
           </a:p>
@@ -4332,7 +4401,7 @@
             <a:fld id="{B61BEF0D-F0BB-DE4B-95CE-6DB70DBA9567}" type="datetimeFigureOut">
               <a:rPr lang="en-US" dirty="0"/>
               <a:pPr/>
-              <a:t>5/16/2019</a:t>
+              <a:t>5/16/19</a:t>
             </a:fld>
             <a:endParaRPr lang="en-US" dirty="0"/>
           </a:p>
@@ -4595,7 +4664,7 @@
             <a:fld id="{B61BEF0D-F0BB-DE4B-95CE-6DB70DBA9567}" type="datetimeFigureOut">
               <a:rPr lang="en-US" dirty="0"/>
               <a:pPr/>
-              <a:t>5/16/2019</a:t>
+              <a:t>5/16/19</a:t>
             </a:fld>
             <a:endParaRPr lang="en-US" dirty="0"/>
           </a:p>
@@ -4966,7 +5035,7 @@
             <a:fld id="{B61BEF0D-F0BB-DE4B-95CE-6DB70DBA9567}" type="datetimeFigureOut">
               <a:rPr lang="en-US" dirty="0"/>
               <a:pPr/>
-              <a:t>5/16/2019</a:t>
+              <a:t>5/16/19</a:t>
             </a:fld>
             <a:endParaRPr lang="en-US" dirty="0"/>
           </a:p>
@@ -5111,7 +5180,7 @@
             <a:fld id="{B61BEF0D-F0BB-DE4B-95CE-6DB70DBA9567}" type="datetimeFigureOut">
               <a:rPr lang="en-US" dirty="0"/>
               <a:pPr/>
-              <a:t>5/16/2019</a:t>
+              <a:t>5/16/19</a:t>
             </a:fld>
             <a:endParaRPr lang="en-US" dirty="0"/>
           </a:p>
@@ -5233,7 +5302,7 @@
             <a:fld id="{B61BEF0D-F0BB-DE4B-95CE-6DB70DBA9567}" type="datetimeFigureOut">
               <a:rPr lang="en-US" dirty="0"/>
               <a:pPr/>
-              <a:t>5/16/2019</a:t>
+              <a:t>5/16/19</a:t>
             </a:fld>
             <a:endParaRPr lang="en-US" dirty="0"/>
           </a:p>
@@ -5515,7 +5584,7 @@
             <a:fld id="{B61BEF0D-F0BB-DE4B-95CE-6DB70DBA9567}" type="datetimeFigureOut">
               <a:rPr lang="en-US" dirty="0"/>
               <a:pPr/>
-              <a:t>5/16/2019</a:t>
+              <a:t>5/16/19</a:t>
             </a:fld>
             <a:endParaRPr lang="en-US" dirty="0"/>
           </a:p>
@@ -5836,7 +5905,7 @@
             <a:fld id="{B61BEF0D-F0BB-DE4B-95CE-6DB70DBA9567}" type="datetimeFigureOut">
               <a:rPr lang="en-US" dirty="0"/>
               <a:pPr/>
-              <a:t>5/16/2019</a:t>
+              <a:t>5/16/19</a:t>
             </a:fld>
             <a:endParaRPr lang="en-US" dirty="0"/>
           </a:p>
@@ -6047,7 +6116,7 @@
             <a:fld id="{B61BEF0D-F0BB-DE4B-95CE-6DB70DBA9567}" type="datetimeFigureOut">
               <a:rPr lang="en-US" dirty="0"/>
               <a:pPr/>
-              <a:t>5/16/2019</a:t>
+              <a:t>5/16/19</a:t>
             </a:fld>
             <a:endParaRPr lang="en-US" dirty="0"/>
           </a:p>
@@ -6990,8 +7059,8 @@
           </a:p>
         </p:txBody>
       </p:sp>
-      <mc:AlternateContent xmlns:mc="http://schemas.openxmlformats.org/markup-compatibility/2006" xmlns:a14="http://schemas.microsoft.com/office/drawing/2010/main">
-        <mc:Choice Requires="a14">
+      <mc:AlternateContent xmlns:mc="http://schemas.openxmlformats.org/markup-compatibility/2006">
+        <mc:Choice xmlns:a14="http://schemas.microsoft.com/office/drawing/2010/main" Requires="a14">
           <p:sp>
             <p:nvSpPr>
               <p:cNvPr id="3" name="Content Placeholder 2">
@@ -7237,7 +7306,7 @@
             </p:txBody>
           </p:sp>
         </mc:Choice>
-        <mc:Fallback xmlns="">
+        <mc:Fallback>
           <p:sp>
             <p:nvSpPr>
               <p:cNvPr id="3" name="Content Placeholder 2">
@@ -7481,6 +7550,58 @@
           </a:sp3d>
         </p:spPr>
       </p:pic>
+      <p:sp>
+        <p:nvSpPr>
+          <p:cNvPr id="6" name="TextBox 5">
+            <a:extLst>
+              <a:ext uri="{FF2B5EF4-FFF2-40B4-BE49-F238E27FC236}">
+                <a16:creationId xmlns:a16="http://schemas.microsoft.com/office/drawing/2014/main" id="{606FE5DA-13B5-534C-B2CF-BF50A47FF7ED}"/>
+              </a:ext>
+            </a:extLst>
+          </p:cNvPr>
+          <p:cNvSpPr txBox="1"/>
+          <p:nvPr/>
+        </p:nvSpPr>
+        <p:spPr>
+          <a:xfrm>
+            <a:off x="406185" y="2151763"/>
+            <a:ext cx="2923082" cy="830997"/>
+          </a:xfrm>
+          <a:prstGeom prst="rect">
+            <a:avLst/>
+          </a:prstGeom>
+          <a:noFill/>
+        </p:spPr>
+        <p:txBody>
+          <a:bodyPr wrap="square" rtlCol="0">
+            <a:spAutoFit/>
+          </a:bodyPr>
+          <a:lstStyle/>
+          <a:p>
+            <a:r>
+              <a:rPr lang="fr-CA" sz="2400" dirty="0">
+                <a:latin typeface="Bell MT" panose="02020503060305020303" pitchFamily="18" charset="77"/>
+              </a:rPr>
+              <a:t>Max distance: 	</a:t>
+            </a:r>
+            <a:r>
+              <a:rPr lang="en-CA" sz="2400" dirty="0">
+                <a:latin typeface="Bell MT" panose="02020503060305020303" pitchFamily="18" charset="77"/>
+              </a:rPr>
+              <a:t>112.3878 </a:t>
+            </a:r>
+            <a:r>
+              <a:rPr lang="fr-CA" sz="2400" dirty="0">
+                <a:latin typeface="Bell MT" panose="02020503060305020303" pitchFamily="18" charset="77"/>
+              </a:rPr>
+              <a:t>m</a:t>
+            </a:r>
+            <a:endParaRPr lang="en-CA" sz="2400" dirty="0">
+              <a:latin typeface="Bell MT" panose="02020503060305020303" pitchFamily="18" charset="77"/>
+            </a:endParaRPr>
+          </a:p>
+        </p:txBody>
+      </p:sp>
     </p:spTree>
     <p:extLst>
       <p:ext uri="{BB962C8B-B14F-4D97-AF65-F5344CB8AC3E}">

--- a/report/PowerPointPresentationv2.pptx
+++ b/report/PowerPointPresentationv2.pptx
@@ -6740,13 +6740,13 @@
         </p:nvSpPr>
         <p:spPr>
           <a:xfrm>
-            <a:off x="705987" y="582589"/>
-            <a:ext cx="4585334" cy="1453363"/>
+            <a:off x="982481" y="1223557"/>
+            <a:ext cx="4099947" cy="1035579"/>
           </a:xfrm>
         </p:spPr>
         <p:txBody>
           <a:bodyPr vert="horz" lIns="91440" tIns="45720" rIns="91440" bIns="45720" rtlCol="0" anchor="ctr">
-            <a:noAutofit/>
+            <a:normAutofit/>
           </a:bodyPr>
           <a:lstStyle/>
           <a:p>
@@ -6771,8 +6771,8 @@
         </p:nvSpPr>
         <p:spPr>
           <a:xfrm>
-            <a:off x="125263" y="2305775"/>
-            <a:ext cx="5411243" cy="3067532"/>
+            <a:off x="828519" y="1985310"/>
+            <a:ext cx="5097418" cy="3649133"/>
           </a:xfrm>
           <a:prstGeom prst="rect">
             <a:avLst/>
@@ -6780,7 +6780,7 @@
         </p:spPr>
         <p:txBody>
           <a:bodyPr vert="horz" lIns="91440" tIns="45720" rIns="91440" bIns="45720" rtlCol="0" anchor="ctr">
-            <a:noAutofit/>
+            <a:normAutofit/>
           </a:bodyPr>
           <a:lstStyle/>
           <a:p>
@@ -6796,7 +6796,7 @@
               <a:buChar char="•"/>
             </a:pPr>
             <a:r>
-              <a:rPr lang="en-CA" sz="3600" dirty="0">
+              <a:rPr lang="en-US" sz="2800" dirty="0">
                 <a:latin typeface="Bell MT" panose="02020503060305020303" pitchFamily="18" charset="77"/>
               </a:rPr>
               <a:t>At which angle should we throw a frisbee in order to reach a maximum distance?</a:t>
@@ -6815,7 +6815,7 @@
               <a:buChar char="•"/>
             </a:pPr>
             <a:r>
-              <a:rPr lang="en-US" sz="3600" dirty="0">
+              <a:rPr lang="en-US" sz="2800" dirty="0">
                 <a:latin typeface="Bell MT" panose="02020503060305020303" pitchFamily="18" charset="77"/>
               </a:rPr>
               <a:t> Rise of sports using it</a:t>
@@ -6834,7 +6834,7 @@
               <a:buChar char="•"/>
             </a:pPr>
             <a:r>
-              <a:rPr lang="en-US" sz="3600" dirty="0">
+              <a:rPr lang="en-US" sz="2800" dirty="0">
                 <a:latin typeface="Bell MT" panose="02020503060305020303" pitchFamily="18" charset="77"/>
               </a:rPr>
               <a:t> Data we can easily verify</a:t>
@@ -6844,10 +6844,10 @@
       </p:sp>
       <p:pic>
         <p:nvPicPr>
-          <p:cNvPr id="8" name="Picture 7">
+          <p:cNvPr id="5" name="Picture 4">
             <a:extLst>
               <a:ext uri="{FF2B5EF4-FFF2-40B4-BE49-F238E27FC236}">
-                <a16:creationId xmlns:a16="http://schemas.microsoft.com/office/drawing/2014/main" id="{C7B15AB8-E535-AA4E-9FB8-9D8B854ACB1B}"/>
+                <a16:creationId xmlns:a16="http://schemas.microsoft.com/office/drawing/2014/main" id="{615D6AA2-8F64-174A-B62F-FF7107E6EFC5}"/>
               </a:ext>
             </a:extLst>
           </p:cNvPr>
@@ -6864,12 +6864,62 @@
         </p:blipFill>
         <p:spPr>
           <a:xfrm>
-            <a:off x="5536506" y="1317933"/>
-            <a:ext cx="6442552" cy="4697692"/>
+            <a:off x="6266065" y="3508371"/>
+            <a:ext cx="4535487" cy="3027438"/>
           </a:xfrm>
           <a:prstGeom prst="rect">
             <a:avLst/>
           </a:prstGeom>
+          <a:ln>
+            <a:noFill/>
+          </a:ln>
+          <a:effectLst>
+            <a:outerShdw blurRad="292100" dist="139700" dir="2700000" algn="tl" rotWithShape="0">
+              <a:srgbClr val="333333">
+                <a:alpha val="65000"/>
+              </a:srgbClr>
+            </a:outerShdw>
+          </a:effectLst>
+        </p:spPr>
+      </p:pic>
+      <p:pic>
+        <p:nvPicPr>
+          <p:cNvPr id="8" name="Picture 7">
+            <a:extLst>
+              <a:ext uri="{FF2B5EF4-FFF2-40B4-BE49-F238E27FC236}">
+                <a16:creationId xmlns:a16="http://schemas.microsoft.com/office/drawing/2014/main" id="{C7B15AB8-E535-AA4E-9FB8-9D8B854ACB1B}"/>
+              </a:ext>
+            </a:extLst>
+          </p:cNvPr>
+          <p:cNvPicPr>
+            <a:picLocks noChangeAspect="1"/>
+          </p:cNvPicPr>
+          <p:nvPr/>
+        </p:nvPicPr>
+        <p:blipFill>
+          <a:blip r:embed="rId5"/>
+          <a:stretch>
+            <a:fillRect/>
+          </a:stretch>
+        </p:blipFill>
+        <p:spPr>
+          <a:xfrm>
+            <a:off x="6266066" y="322191"/>
+            <a:ext cx="4535486" cy="2948067"/>
+          </a:xfrm>
+          <a:prstGeom prst="rect">
+            <a:avLst/>
+          </a:prstGeom>
+          <a:ln>
+            <a:noFill/>
+          </a:ln>
+          <a:effectLst>
+            <a:outerShdw blurRad="292100" dist="139700" dir="2700000" algn="tl" rotWithShape="0">
+              <a:srgbClr val="333333">
+                <a:alpha val="65000"/>
+              </a:srgbClr>
+            </a:outerShdw>
+          </a:effectLst>
         </p:spPr>
       </p:pic>
     </p:spTree>
@@ -6948,7 +6998,12 @@
             <p:ph idx="1"/>
           </p:nvPr>
         </p:nvSpPr>
-        <p:spPr/>
+        <p:spPr>
+          <a:xfrm>
+            <a:off x="685801" y="2065867"/>
+            <a:ext cx="4036102" cy="3649133"/>
+          </a:xfrm>
+        </p:spPr>
         <p:txBody>
           <a:bodyPr>
             <a:normAutofit/>
@@ -7376,7 +7431,7 @@
         </p:blipFill>
         <p:spPr>
           <a:xfrm>
-            <a:off x="5289752" y="1352963"/>
+            <a:off x="5049909" y="1434079"/>
             <a:ext cx="6095593" cy="3989842"/>
           </a:xfrm>
           <a:prstGeom prst="rect">
@@ -7512,42 +7567,22 @@
         </p:blipFill>
         <p:spPr>
           <a:xfrm>
-            <a:off x="3682992" y="637490"/>
-            <a:ext cx="7787706" cy="5412455"/>
+            <a:off x="3831812" y="645393"/>
+            <a:ext cx="7559201" cy="5253644"/>
           </a:xfrm>
           <a:prstGeom prst="rect">
             <a:avLst/>
           </a:prstGeom>
-          <a:solidFill>
-            <a:srgbClr val="FFFFFF">
-              <a:shade val="85000"/>
-            </a:srgbClr>
-          </a:solidFill>
-          <a:ln w="88900" cap="sq">
-            <a:solidFill>
-              <a:srgbClr val="FFFFFF"/>
-            </a:solidFill>
-            <a:miter lim="800000"/>
+          <a:ln>
+            <a:noFill/>
           </a:ln>
           <a:effectLst>
-            <a:outerShdw blurRad="55000" dist="18000" dir="5400000" algn="tl" rotWithShape="0">
-              <a:srgbClr val="000000">
-                <a:alpha val="40000"/>
+            <a:outerShdw blurRad="292100" dist="139700" dir="2700000" algn="tl" rotWithShape="0">
+              <a:srgbClr val="333333">
+                <a:alpha val="65000"/>
               </a:srgbClr>
             </a:outerShdw>
           </a:effectLst>
-          <a:scene3d>
-            <a:camera prst="orthographicFront"/>
-            <a:lightRig rig="twoPt" dir="t">
-              <a:rot lat="0" lon="0" rev="7200000"/>
-            </a:lightRig>
-          </a:scene3d>
-          <a:sp3d>
-            <a:bevelT w="25400" h="19050"/>
-            <a:contourClr>
-              <a:srgbClr val="FFFFFF"/>
-            </a:contourClr>
-          </a:sp3d>
         </p:spPr>
       </p:pic>
       <p:sp>
@@ -7564,8 +7599,8 @@
         </p:nvSpPr>
         <p:spPr>
           <a:xfrm>
-            <a:off x="406185" y="2151763"/>
-            <a:ext cx="2923082" cy="830997"/>
+            <a:off x="256283" y="2273857"/>
+            <a:ext cx="2923082" cy="1200329"/>
           </a:xfrm>
           <a:prstGeom prst="rect">
             <a:avLst/>
@@ -7579,24 +7614,24 @@
           <a:lstStyle/>
           <a:p>
             <a:r>
-              <a:rPr lang="fr-CA" sz="2400" dirty="0">
+              <a:rPr lang="fr-CA" sz="3600" dirty="0">
                 <a:latin typeface="Bell MT" panose="02020503060305020303" pitchFamily="18" charset="77"/>
               </a:rPr>
               <a:t>Max distance: 	</a:t>
             </a:r>
             <a:r>
-              <a:rPr lang="en-CA" sz="2400" dirty="0">
+              <a:rPr lang="en-CA" sz="3600" dirty="0">
                 <a:latin typeface="Bell MT" panose="02020503060305020303" pitchFamily="18" charset="77"/>
               </a:rPr>
               <a:t>112.3878 </a:t>
             </a:r>
             <a:r>
-              <a:rPr lang="fr-CA" sz="2400" dirty="0">
+              <a:rPr lang="fr-CA" sz="3600" dirty="0">
                 <a:latin typeface="Bell MT" panose="02020503060305020303" pitchFamily="18" charset="77"/>
               </a:rPr>
               <a:t>m</a:t>
             </a:r>
-            <a:endParaRPr lang="en-CA" sz="2400" dirty="0">
+            <a:endParaRPr lang="en-CA" sz="3600" dirty="0">
               <a:latin typeface="Bell MT" panose="02020503060305020303" pitchFamily="18" charset="77"/>
             </a:endParaRPr>
           </a:p>

--- a/report/PowerPointPresentationv2.pptx
+++ b/report/PowerPointPresentationv2.pptx
@@ -924,6 +924,28 @@
               <a:rPr lang="en-CA" noProof="0" dirty="0"/>
               <a:t>All these values were obtained using an optimal angle of throw. </a:t>
             </a:r>
+          </a:p>
+          <a:p>
+            <a:endParaRPr lang="en-CA" noProof="0" dirty="0"/>
+          </a:p>
+          <a:p>
+            <a:r>
+              <a:rPr lang="en-CA" noProof="0" dirty="0"/>
+              <a:t>We thought it was a big number, but we actually found out that the world record is 402 meters. The record has been made with a flying ring which is much faster</a:t>
+            </a:r>
+            <a:r>
+              <a:rPr lang="en-CA" noProof="0"/>
+              <a:t>, lighter </a:t>
+            </a:r>
+            <a:r>
+              <a:rPr lang="en-CA" noProof="0" dirty="0"/>
+              <a:t>and more stable than </a:t>
+            </a:r>
+            <a:r>
+              <a:rPr lang="en-CA" noProof="0"/>
+              <a:t>a frisbee.</a:t>
+            </a:r>
+            <a:endParaRPr lang="en-CA" noProof="0" dirty="0"/>
           </a:p>
         </p:txBody>
       </p:sp>
@@ -7599,7 +7621,7 @@
         </p:nvSpPr>
         <p:spPr>
           <a:xfrm>
-            <a:off x="256283" y="2273857"/>
+            <a:off x="406185" y="2228671"/>
             <a:ext cx="2923082" cy="1200329"/>
           </a:xfrm>
           <a:prstGeom prst="rect">
@@ -7637,6 +7659,104 @@
           </a:p>
         </p:txBody>
       </p:sp>
+      <p:sp>
+        <p:nvSpPr>
+          <p:cNvPr id="7" name="TextBox 6">
+            <a:extLst>
+              <a:ext uri="{FF2B5EF4-FFF2-40B4-BE49-F238E27FC236}">
+                <a16:creationId xmlns:a16="http://schemas.microsoft.com/office/drawing/2014/main" id="{049B7910-095C-954D-AFE7-467E8ADA49FE}"/>
+              </a:ext>
+            </a:extLst>
+          </p:cNvPr>
+          <p:cNvSpPr txBox="1"/>
+          <p:nvPr/>
+        </p:nvSpPr>
+        <p:spPr>
+          <a:xfrm>
+            <a:off x="271423" y="3958450"/>
+            <a:ext cx="3223768" cy="646331"/>
+          </a:xfrm>
+          <a:prstGeom prst="rect">
+            <a:avLst/>
+          </a:prstGeom>
+          <a:noFill/>
+        </p:spPr>
+        <p:txBody>
+          <a:bodyPr wrap="none" rtlCol="0">
+            <a:spAutoFit/>
+          </a:bodyPr>
+          <a:lstStyle/>
+          <a:p>
+            <a:pPr algn="ctr"/>
+            <a:r>
+              <a:rPr lang="fr-CA" dirty="0">
+                <a:latin typeface="Bell MT" panose="02020503060305020303" pitchFamily="18" charset="77"/>
+              </a:rPr>
+              <a:t>*Erin </a:t>
+            </a:r>
+            <a:r>
+              <a:rPr lang="fr-CA" dirty="0" err="1">
+                <a:latin typeface="Bell MT" panose="02020503060305020303" pitchFamily="18" charset="77"/>
+              </a:rPr>
+              <a:t>Hemmings</a:t>
+            </a:r>
+            <a:r>
+              <a:rPr lang="fr-CA" dirty="0">
+                <a:latin typeface="Bell MT" panose="02020503060305020303" pitchFamily="18" charset="77"/>
+              </a:rPr>
+              <a:t>(Word Record)</a:t>
+            </a:r>
+          </a:p>
+          <a:p>
+            <a:pPr algn="ctr"/>
+            <a:r>
+              <a:rPr lang="fr-CA" dirty="0">
+                <a:latin typeface="Bell MT" panose="02020503060305020303" pitchFamily="18" charset="77"/>
+              </a:rPr>
+              <a:t>402 </a:t>
+            </a:r>
+            <a:r>
+              <a:rPr lang="fr-CA" dirty="0" err="1">
+                <a:latin typeface="Bell MT" panose="02020503060305020303" pitchFamily="18" charset="77"/>
+              </a:rPr>
+              <a:t>meters</a:t>
+            </a:r>
+            <a:endParaRPr lang="fr-CA" dirty="0">
+              <a:latin typeface="Bell MT" panose="02020503060305020303" pitchFamily="18" charset="77"/>
+            </a:endParaRPr>
+          </a:p>
+        </p:txBody>
+      </p:sp>
+      <p:pic>
+        <p:nvPicPr>
+          <p:cNvPr id="11" name="Picture 10">
+            <a:extLst>
+              <a:ext uri="{FF2B5EF4-FFF2-40B4-BE49-F238E27FC236}">
+                <a16:creationId xmlns:a16="http://schemas.microsoft.com/office/drawing/2014/main" id="{4E33D75E-3A1E-BD42-81A4-91E53DEB3A82}"/>
+              </a:ext>
+            </a:extLst>
+          </p:cNvPr>
+          <p:cNvPicPr>
+            <a:picLocks noChangeAspect="1"/>
+          </p:cNvPicPr>
+          <p:nvPr/>
+        </p:nvPicPr>
+        <p:blipFill>
+          <a:blip r:embed="rId5"/>
+          <a:stretch>
+            <a:fillRect/>
+          </a:stretch>
+        </p:blipFill>
+        <p:spPr>
+          <a:xfrm>
+            <a:off x="1070436" y="4794210"/>
+            <a:ext cx="1691504" cy="1691504"/>
+          </a:xfrm>
+          <a:prstGeom prst="rect">
+            <a:avLst/>
+          </a:prstGeom>
+        </p:spPr>
+      </p:pic>
     </p:spTree>
     <p:extLst>
       <p:ext uri="{BB962C8B-B14F-4D97-AF65-F5344CB8AC3E}">

--- a/report/PowerPointPresentationv2.pptx
+++ b/report/PowerPointPresentationv2.pptx
@@ -521,7 +521,7 @@
           <a:p>
             <a:r>
               <a:rPr lang="en-CA" dirty="0"/>
-              <a:t>With the rise of sports like ultimate frisbee and disk golf where the accuracy of shots as well as the distance at which it lands are important, we were wondering at which angle a frisbee should be thrown in order to reach a maximum distance. It is also easy to verify because a lot of researches are available to us and also many people have actually tried this experiment.</a:t>
+              <a:t>With the rise of sports like ultimate frisbee and disk golf where the accuracy of shots as well as the distance at which it lands is important, we were wondering at which angle a frisbee should be thrown in order to reach a maximum distance. It is also easy to verify because a lot of researches are available to us and also many people have actually tried this experiment.</a:t>
             </a:r>
           </a:p>
           <a:p>
@@ -617,13 +617,7 @@
           <a:p>
             <a:r>
               <a:rPr lang="en-CA" dirty="0"/>
-              <a:t>The golden search allowed us to find the optimal angle of throw by taking in the distance reached as the angles it provided. Since we used it to find a minimum, we had to use the inverse function of the throw</a:t>
-            </a:r>
-          </a:p>
-          <a:p>
-            <a:r>
-              <a:rPr lang="en-CA" dirty="0"/>
-              <a:t> to find the maximum angle. </a:t>
+              <a:t>The golden search allowed us to find the optimal angle of throw by taking in the distance reached with the angle it provided. Since we used it to find a minimum, we had to use the inverse function of the throw to find the maximum angle. </a:t>
             </a:r>
           </a:p>
           <a:p>
@@ -723,18 +717,6 @@
           <a:lstStyle/>
           <a:p>
             <a:endParaRPr lang="en-CA" dirty="0"/>
-          </a:p>
-          <a:p>
-            <a:r>
-              <a:rPr lang="en-CA" dirty="0"/>
-              <a:t>Equations</a:t>
-            </a:r>
-          </a:p>
-          <a:p>
-            <a:r>
-              <a:rPr lang="en-CA" dirty="0"/>
-              <a:t>Fluid mechanics (</a:t>
-            </a:r>
           </a:p>
           <a:p>
             <a:r>
@@ -1193,7 +1175,7 @@
             <a:fld id="{B61BEF0D-F0BB-DE4B-95CE-6DB70DBA9567}" type="datetimeFigureOut">
               <a:rPr lang="en-US" dirty="0"/>
               <a:pPr/>
-              <a:t>5/16/19</a:t>
+              <a:t>5/16/2019</a:t>
             </a:fld>
             <a:endParaRPr lang="en-US" dirty="0"/>
           </a:p>
@@ -1524,7 +1506,7 @@
             <a:fld id="{B61BEF0D-F0BB-DE4B-95CE-6DB70DBA9567}" type="datetimeFigureOut">
               <a:rPr lang="en-US" dirty="0"/>
               <a:pPr/>
-              <a:t>5/16/19</a:t>
+              <a:t>5/16/2019</a:t>
             </a:fld>
             <a:endParaRPr lang="en-US" dirty="0"/>
           </a:p>
@@ -1799,7 +1781,7 @@
             <a:fld id="{B61BEF0D-F0BB-DE4B-95CE-6DB70DBA9567}" type="datetimeFigureOut">
               <a:rPr lang="en-US" dirty="0"/>
               <a:pPr/>
-              <a:t>5/16/19</a:t>
+              <a:t>5/16/2019</a:t>
             </a:fld>
             <a:endParaRPr lang="en-US" dirty="0"/>
           </a:p>
@@ -2364,7 +2346,7 @@
             <a:fld id="{B61BEF0D-F0BB-DE4B-95CE-6DB70DBA9567}" type="datetimeFigureOut">
               <a:rPr lang="en-US" dirty="0"/>
               <a:pPr/>
-              <a:t>5/16/19</a:t>
+              <a:t>5/16/2019</a:t>
             </a:fld>
             <a:endParaRPr lang="en-US" dirty="0"/>
           </a:p>
@@ -2639,7 +2621,7 @@
             <a:fld id="{B61BEF0D-F0BB-DE4B-95CE-6DB70DBA9567}" type="datetimeFigureOut">
               <a:rPr lang="en-US" dirty="0"/>
               <a:pPr/>
-              <a:t>5/16/19</a:t>
+              <a:t>5/16/2019</a:t>
             </a:fld>
             <a:endParaRPr lang="en-US" dirty="0"/>
           </a:p>
@@ -3198,7 +3180,7 @@
             <a:fld id="{B61BEF0D-F0BB-DE4B-95CE-6DB70DBA9567}" type="datetimeFigureOut">
               <a:rPr lang="en-US" dirty="0"/>
               <a:pPr/>
-              <a:t>5/16/19</a:t>
+              <a:t>5/16/2019</a:t>
             </a:fld>
             <a:endParaRPr lang="en-US" dirty="0"/>
           </a:p>
@@ -3522,7 +3504,7 @@
             <a:fld id="{B61BEF0D-F0BB-DE4B-95CE-6DB70DBA9567}" type="datetimeFigureOut">
               <a:rPr lang="en-US" dirty="0"/>
               <a:pPr/>
-              <a:t>5/16/19</a:t>
+              <a:t>5/16/2019</a:t>
             </a:fld>
             <a:endParaRPr lang="en-US" dirty="0"/>
           </a:p>
@@ -3696,7 +3678,7 @@
             <a:fld id="{B61BEF0D-F0BB-DE4B-95CE-6DB70DBA9567}" type="datetimeFigureOut">
               <a:rPr lang="en-US" dirty="0"/>
               <a:pPr/>
-              <a:t>5/16/19</a:t>
+              <a:t>5/16/2019</a:t>
             </a:fld>
             <a:endParaRPr lang="en-US" dirty="0"/>
           </a:p>
@@ -3931,7 +3913,7 @@
             <a:fld id="{B61BEF0D-F0BB-DE4B-95CE-6DB70DBA9567}" type="datetimeFigureOut">
               <a:rPr lang="en-US" dirty="0"/>
               <a:pPr/>
-              <a:t>5/16/19</a:t>
+              <a:t>5/16/2019</a:t>
             </a:fld>
             <a:endParaRPr lang="en-US" dirty="0"/>
           </a:p>
@@ -4128,7 +4110,7 @@
             <a:fld id="{B61BEF0D-F0BB-DE4B-95CE-6DB70DBA9567}" type="datetimeFigureOut">
               <a:rPr lang="en-US" dirty="0"/>
               <a:pPr/>
-              <a:t>5/16/19</a:t>
+              <a:t>5/16/2019</a:t>
             </a:fld>
             <a:endParaRPr lang="en-US" dirty="0"/>
           </a:p>
@@ -4401,7 +4383,7 @@
             <a:fld id="{B61BEF0D-F0BB-DE4B-95CE-6DB70DBA9567}" type="datetimeFigureOut">
               <a:rPr lang="en-US" dirty="0"/>
               <a:pPr/>
-              <a:t>5/16/19</a:t>
+              <a:t>5/16/2019</a:t>
             </a:fld>
             <a:endParaRPr lang="en-US" dirty="0"/>
           </a:p>
@@ -4664,7 +4646,7 @@
             <a:fld id="{B61BEF0D-F0BB-DE4B-95CE-6DB70DBA9567}" type="datetimeFigureOut">
               <a:rPr lang="en-US" dirty="0"/>
               <a:pPr/>
-              <a:t>5/16/19</a:t>
+              <a:t>5/16/2019</a:t>
             </a:fld>
             <a:endParaRPr lang="en-US" dirty="0"/>
           </a:p>
@@ -5035,7 +5017,7 @@
             <a:fld id="{B61BEF0D-F0BB-DE4B-95CE-6DB70DBA9567}" type="datetimeFigureOut">
               <a:rPr lang="en-US" dirty="0"/>
               <a:pPr/>
-              <a:t>5/16/19</a:t>
+              <a:t>5/16/2019</a:t>
             </a:fld>
             <a:endParaRPr lang="en-US" dirty="0"/>
           </a:p>
@@ -5180,7 +5162,7 @@
             <a:fld id="{B61BEF0D-F0BB-DE4B-95CE-6DB70DBA9567}" type="datetimeFigureOut">
               <a:rPr lang="en-US" dirty="0"/>
               <a:pPr/>
-              <a:t>5/16/19</a:t>
+              <a:t>5/16/2019</a:t>
             </a:fld>
             <a:endParaRPr lang="en-US" dirty="0"/>
           </a:p>
@@ -5302,7 +5284,7 @@
             <a:fld id="{B61BEF0D-F0BB-DE4B-95CE-6DB70DBA9567}" type="datetimeFigureOut">
               <a:rPr lang="en-US" dirty="0"/>
               <a:pPr/>
-              <a:t>5/16/19</a:t>
+              <a:t>5/16/2019</a:t>
             </a:fld>
             <a:endParaRPr lang="en-US" dirty="0"/>
           </a:p>
@@ -5584,7 +5566,7 @@
             <a:fld id="{B61BEF0D-F0BB-DE4B-95CE-6DB70DBA9567}" type="datetimeFigureOut">
               <a:rPr lang="en-US" dirty="0"/>
               <a:pPr/>
-              <a:t>5/16/19</a:t>
+              <a:t>5/16/2019</a:t>
             </a:fld>
             <a:endParaRPr lang="en-US" dirty="0"/>
           </a:p>
@@ -5905,7 +5887,7 @@
             <a:fld id="{B61BEF0D-F0BB-DE4B-95CE-6DB70DBA9567}" type="datetimeFigureOut">
               <a:rPr lang="en-US" dirty="0"/>
               <a:pPr/>
-              <a:t>5/16/19</a:t>
+              <a:t>5/16/2019</a:t>
             </a:fld>
             <a:endParaRPr lang="en-US" dirty="0"/>
           </a:p>
@@ -6116,7 +6098,7 @@
             <a:fld id="{B61BEF0D-F0BB-DE4B-95CE-6DB70DBA9567}" type="datetimeFigureOut">
               <a:rPr lang="en-US" dirty="0"/>
               <a:pPr/>
-              <a:t>5/16/19</a:t>
+              <a:t>5/16/2019</a:t>
             </a:fld>
             <a:endParaRPr lang="en-US" dirty="0"/>
           </a:p>
@@ -7114,8 +7096,8 @@
           </a:p>
         </p:txBody>
       </p:sp>
-      <mc:AlternateContent xmlns:mc="http://schemas.openxmlformats.org/markup-compatibility/2006">
-        <mc:Choice xmlns:a14="http://schemas.microsoft.com/office/drawing/2010/main" Requires="a14">
+      <mc:AlternateContent xmlns:mc="http://schemas.openxmlformats.org/markup-compatibility/2006" xmlns:a14="http://schemas.microsoft.com/office/drawing/2010/main">
+        <mc:Choice Requires="a14">
           <p:sp>
             <p:nvSpPr>
               <p:cNvPr id="3" name="Content Placeholder 2">
@@ -7361,7 +7343,7 @@
             </p:txBody>
           </p:sp>
         </mc:Choice>
-        <mc:Fallback>
+        <mc:Fallback xmlns="">
           <p:sp>
             <p:nvSpPr>
               <p:cNvPr id="3" name="Content Placeholder 2">
